--- a/CSYE 7200- Team 6 Project presentation.pptx
+++ b/CSYE 7200- Team 6 Project presentation.pptx
@@ -226,7 +226,7 @@
               <a:rPr lang="en-US" smtClean="0">
                 <a:latin typeface="Tw Cen MT" panose="020B0602020104020603" pitchFamily="34" charset="0"/>
               </a:rPr>
-              <a:t>3/30/2022</a:t>
+              <a:t>3/31/2022</a:t>
             </a:fld>
             <a:endParaRPr lang="en-US" dirty="0">
               <a:latin typeface="Tw Cen MT" panose="020B0602020104020603" pitchFamily="34" charset="0"/>
@@ -416,7 +416,7 @@
             <a:fld id="{AF4A386A-BFE4-4655-9801-CBB04655F27A}" type="datetimeFigureOut">
               <a:rPr lang="en-US" noProof="0" smtClean="0"/>
               <a:pPr/>
-              <a:t>3/30/2022</a:t>
+              <a:t>3/31/2022</a:t>
             </a:fld>
             <a:endParaRPr lang="en-US" noProof="0" dirty="0"/>
           </a:p>
@@ -31229,15 +31229,7 @@
             </a:r>
             <a:r>
               <a:rPr lang="en-US" dirty="0"/>
-              <a:t>are created, with polarity and subjectivity for tweets related to covid vaccines for the year of 2020-2021(pre-existing dataset) and similar tweets pulled from current day through Spark Streaming and the twitter </a:t>
-            </a:r>
-            <a:r>
-              <a:rPr lang="en-US" dirty="0" err="1"/>
-              <a:t>api</a:t>
-            </a:r>
-            <a:r>
-              <a:rPr lang="en-US" dirty="0"/>
-              <a:t>.</a:t>
+              <a:t>are created, with polarity and subjectivity for tweets related to covid vaccines for the year of 2020-2021(pre-existing dataset) and similar tweets pulled from current day through Spark Streaming and the twitter API.</a:t>
             </a:r>
           </a:p>
         </p:txBody>
@@ -31681,15 +31673,15 @@
           <a:p>
             <a:r>
               <a:rPr lang="en-US" dirty="0"/>
-              <a:t>Clean and prep our older dataset with spark and train a model(using spark </a:t>
+              <a:t>Clean and prep our older dataset with spark and train a logistic regression model(using spark </a:t>
             </a:r>
             <a:r>
               <a:rPr lang="en-US" dirty="0" err="1"/>
-              <a:t>mllib</a:t>
+              <a:t>MLlib</a:t>
             </a:r>
             <a:r>
               <a:rPr lang="en-US" dirty="0"/>
-              <a:t> to detect sentiment accurately in tweets(</a:t>
+              <a:t>) to detect sentiment accurately in tweets(</a:t>
             </a:r>
             <a:r>
               <a:rPr lang="en-US" dirty="0">
@@ -31705,13 +31697,13 @@
           <a:p>
             <a:r>
               <a:rPr lang="en-US" dirty="0"/>
-              <a:t>Setup a spark streaming pipeline that fetches tweets for a 24 hour period, clean data and filter out re-tweets and run the data through our model to get a accurate read on current sentiment on vaccines.</a:t>
+              <a:t>Setup a spark streaming pipeline that filters and fetches relevant live tweets, and run them through our model to get a accurate read on current sentiment on vaccines.</a:t>
             </a:r>
           </a:p>
           <a:p>
             <a:r>
               <a:rPr lang="en-US" dirty="0"/>
-              <a:t>Set up a web dashboard using charts.js/express server to fetch our analyzed data and display it.</a:t>
+              <a:t>Set up a web dashboard using charts.js/express using Scala.js to fetch our analyzed data and display it.</a:t>
             </a:r>
           </a:p>
         </p:txBody>
@@ -32228,15 +32220,7 @@
             </a:br>
             <a:r>
               <a:rPr lang="en-US" dirty="0"/>
-              <a:t>Pre-tagged dataset with tweets tagged with polarity (</a:t>
-            </a:r>
-            <a:r>
-              <a:rPr lang="en-US" dirty="0" err="1"/>
-              <a:t>negative,neutral,positive</a:t>
-            </a:r>
-            <a:r>
-              <a:rPr lang="en-US" dirty="0"/>
-              <a:t>) to train our model(</a:t>
+              <a:t>Pre-tagged dataset with tweets tagged with polarity (negative ,neutral ,positive) to train our model(</a:t>
             </a:r>
             <a:r>
               <a:rPr lang="en-US" b="0" i="0" dirty="0">
@@ -32266,8 +32250,13 @@
           <a:p>
             <a:r>
               <a:rPr lang="en-US" dirty="0"/>
-              <a:t>Spark Structure Streaming of live tweets matching specified keywords</a:t>
-            </a:r>
+              <a:t>Spark Structured Streaming of live tweets matching specified keywords </a:t>
+            </a:r>
+            <a:r>
+              <a:rPr lang="en-US"/>
+              <a:t>and hashtags</a:t>
+            </a:r>
+            <a:endParaRPr lang="en-US" dirty="0"/>
           </a:p>
         </p:txBody>
       </p:sp>
@@ -33215,12 +33204,12 @@
           </a:p>
           <a:p>
             <a:r>
-              <a:rPr lang="en-US" dirty="0" err="1"/>
-              <a:t>Javascript</a:t>
+              <a:rPr lang="en-US"/>
+              <a:t>Scala.js </a:t>
             </a:r>
             <a:r>
               <a:rPr lang="en-US" dirty="0"/>
-              <a:t> will be primarily used for the web application used to show the results of our analysis.</a:t>
+              <a:t>will be primarily used for the web application used to show the results of our analysis.</a:t>
             </a:r>
           </a:p>
         </p:txBody>
@@ -33676,7 +33665,7 @@
           <a:p>
             <a:r>
               <a:rPr lang="en-US" dirty="0"/>
-              <a:t>Accuracy of the logistic regression model should reach at least 75%</a:t>
+              <a:t>Accuracy of the logistic regression model should reach at least 70%</a:t>
             </a:r>
           </a:p>
         </p:txBody>
